--- a/VervoortKobe_SoftwareTrends_Presentatie_Go.pptx
+++ b/VervoortKobe_SoftwareTrends_Presentatie_Go.pptx
@@ -213,7 +213,7 @@
           <a:p>
             <a:fld id="{415AB838-40C3-45EC-9B1D-78B40EFF9AD7}" type="datetimeFigureOut">
               <a:rPr lang="nl-BE" smtClean="0"/>
-              <a:t>30/11/2024</a:t>
+              <a:t>1/12/2024</a:t>
             </a:fld>
             <a:endParaRPr lang="nl-BE"/>
           </a:p>
@@ -714,7 +714,7 @@
           <a:p>
             <a:fld id="{205C27A1-A0F1-454B-A96E-4A260E1A069C}" type="datetimeFigureOut">
               <a:rPr lang="nl-BE" smtClean="0"/>
-              <a:t>30/11/2024</a:t>
+              <a:t>1/12/2024</a:t>
             </a:fld>
             <a:endParaRPr lang="nl-BE"/>
           </a:p>
@@ -914,7 +914,7 @@
           <a:p>
             <a:fld id="{205C27A1-A0F1-454B-A96E-4A260E1A069C}" type="datetimeFigureOut">
               <a:rPr lang="nl-BE" smtClean="0"/>
-              <a:t>30/11/2024</a:t>
+              <a:t>1/12/2024</a:t>
             </a:fld>
             <a:endParaRPr lang="nl-BE"/>
           </a:p>
@@ -1124,7 +1124,7 @@
           <a:p>
             <a:fld id="{205C27A1-A0F1-454B-A96E-4A260E1A069C}" type="datetimeFigureOut">
               <a:rPr lang="nl-BE" smtClean="0"/>
-              <a:t>30/11/2024</a:t>
+              <a:t>1/12/2024</a:t>
             </a:fld>
             <a:endParaRPr lang="nl-BE"/>
           </a:p>
@@ -1324,7 +1324,7 @@
           <a:p>
             <a:fld id="{205C27A1-A0F1-454B-A96E-4A260E1A069C}" type="datetimeFigureOut">
               <a:rPr lang="nl-BE" smtClean="0"/>
-              <a:t>30/11/2024</a:t>
+              <a:t>1/12/2024</a:t>
             </a:fld>
             <a:endParaRPr lang="nl-BE"/>
           </a:p>
@@ -1600,7 +1600,7 @@
           <a:p>
             <a:fld id="{205C27A1-A0F1-454B-A96E-4A260E1A069C}" type="datetimeFigureOut">
               <a:rPr lang="nl-BE" smtClean="0"/>
-              <a:t>30/11/2024</a:t>
+              <a:t>1/12/2024</a:t>
             </a:fld>
             <a:endParaRPr lang="nl-BE"/>
           </a:p>
@@ -1868,7 +1868,7 @@
           <a:p>
             <a:fld id="{205C27A1-A0F1-454B-A96E-4A260E1A069C}" type="datetimeFigureOut">
               <a:rPr lang="nl-BE" smtClean="0"/>
-              <a:t>30/11/2024</a:t>
+              <a:t>1/12/2024</a:t>
             </a:fld>
             <a:endParaRPr lang="nl-BE"/>
           </a:p>
@@ -2283,7 +2283,7 @@
           <a:p>
             <a:fld id="{205C27A1-A0F1-454B-A96E-4A260E1A069C}" type="datetimeFigureOut">
               <a:rPr lang="nl-BE" smtClean="0"/>
-              <a:t>30/11/2024</a:t>
+              <a:t>1/12/2024</a:t>
             </a:fld>
             <a:endParaRPr lang="nl-BE"/>
           </a:p>
@@ -2425,7 +2425,7 @@
           <a:p>
             <a:fld id="{205C27A1-A0F1-454B-A96E-4A260E1A069C}" type="datetimeFigureOut">
               <a:rPr lang="nl-BE" smtClean="0"/>
-              <a:t>30/11/2024</a:t>
+              <a:t>1/12/2024</a:t>
             </a:fld>
             <a:endParaRPr lang="nl-BE"/>
           </a:p>
@@ -2538,7 +2538,7 @@
           <a:p>
             <a:fld id="{205C27A1-A0F1-454B-A96E-4A260E1A069C}" type="datetimeFigureOut">
               <a:rPr lang="nl-BE" smtClean="0"/>
-              <a:t>30/11/2024</a:t>
+              <a:t>1/12/2024</a:t>
             </a:fld>
             <a:endParaRPr lang="nl-BE"/>
           </a:p>
@@ -2851,7 +2851,7 @@
           <a:p>
             <a:fld id="{205C27A1-A0F1-454B-A96E-4A260E1A069C}" type="datetimeFigureOut">
               <a:rPr lang="nl-BE" smtClean="0"/>
-              <a:t>30/11/2024</a:t>
+              <a:t>1/12/2024</a:t>
             </a:fld>
             <a:endParaRPr lang="nl-BE"/>
           </a:p>
@@ -3140,7 +3140,7 @@
           <a:p>
             <a:fld id="{205C27A1-A0F1-454B-A96E-4A260E1A069C}" type="datetimeFigureOut">
               <a:rPr lang="nl-BE" smtClean="0"/>
-              <a:t>30/11/2024</a:t>
+              <a:t>1/12/2024</a:t>
             </a:fld>
             <a:endParaRPr lang="nl-BE"/>
           </a:p>
@@ -3383,7 +3383,7 @@
           <a:p>
             <a:fld id="{205C27A1-A0F1-454B-A96E-4A260E1A069C}" type="datetimeFigureOut">
               <a:rPr lang="nl-BE" smtClean="0"/>
-              <a:t>30/11/2024</a:t>
+              <a:t>1/12/2024</a:t>
             </a:fld>
             <a:endParaRPr lang="nl-BE"/>
           </a:p>
@@ -6865,9 +6865,63 @@
           <a:p>
             <a:r>
               <a:rPr lang="en-BE" dirty="0"/>
-              <a:t>Basics</a:t>
-            </a:r>
-            <a:endParaRPr lang="nl-BE" dirty="0"/>
+              <a:t>Basics &amp; </a:t>
+            </a:r>
+            <a:r>
+              <a:rPr lang="en-BE" dirty="0" err="1"/>
+              <a:t>opmerkingen</a:t>
+            </a:r>
+            <a:endParaRPr lang="en-BE" dirty="0"/>
+          </a:p>
+          <a:p>
+            <a:r>
+              <a:rPr lang="en-BE" dirty="0"/>
+              <a:t>Fiber, </a:t>
+            </a:r>
+            <a:r>
+              <a:rPr lang="en-BE" dirty="0" err="1"/>
+              <a:t>snelheid</a:t>
+            </a:r>
+            <a:r>
+              <a:rPr lang="en-BE" dirty="0"/>
+              <a:t> &amp; demo</a:t>
+            </a:r>
+          </a:p>
+          <a:p>
+            <a:r>
+              <a:rPr lang="en-BE" dirty="0" err="1"/>
+              <a:t>Voor</a:t>
+            </a:r>
+            <a:r>
+              <a:rPr lang="en-BE" dirty="0"/>
+              <a:t>- &amp; </a:t>
+            </a:r>
+            <a:r>
+              <a:rPr lang="en-BE" dirty="0" err="1"/>
+              <a:t>nadelen</a:t>
+            </a:r>
+            <a:endParaRPr lang="en-BE" dirty="0"/>
+          </a:p>
+          <a:p>
+            <a:r>
+              <a:rPr lang="en-BE" dirty="0" err="1"/>
+              <a:t>Implementaties</a:t>
+            </a:r>
+            <a:endParaRPr lang="en-BE" dirty="0"/>
+          </a:p>
+          <a:p>
+            <a:r>
+              <a:rPr lang="en-BE" dirty="0" err="1"/>
+              <a:t>Bedenkingen</a:t>
+            </a:r>
+            <a:endParaRPr lang="en-BE" dirty="0"/>
+          </a:p>
+          <a:p>
+            <a:r>
+              <a:rPr lang="en-BE" dirty="0" err="1"/>
+              <a:t>Aanbevelingen</a:t>
+            </a:r>
+            <a:endParaRPr lang="en-BE" dirty="0"/>
           </a:p>
         </p:txBody>
       </p:sp>

--- a/VervoortKobe_SoftwareTrends_Presentatie_Go.pptx
+++ b/VervoortKobe_SoftwareTrends_Presentatie_Go.pptx
@@ -213,7 +213,7 @@
           <a:p>
             <a:fld id="{415AB838-40C3-45EC-9B1D-78B40EFF9AD7}" type="datetimeFigureOut">
               <a:rPr lang="nl-BE" smtClean="0"/>
-              <a:t>1/12/2024</a:t>
+              <a:t>9/12/2024</a:t>
             </a:fld>
             <a:endParaRPr lang="nl-BE"/>
           </a:p>
@@ -714,7 +714,7 @@
           <a:p>
             <a:fld id="{205C27A1-A0F1-454B-A96E-4A260E1A069C}" type="datetimeFigureOut">
               <a:rPr lang="nl-BE" smtClean="0"/>
-              <a:t>1/12/2024</a:t>
+              <a:t>9/12/2024</a:t>
             </a:fld>
             <a:endParaRPr lang="nl-BE"/>
           </a:p>
@@ -914,7 +914,7 @@
           <a:p>
             <a:fld id="{205C27A1-A0F1-454B-A96E-4A260E1A069C}" type="datetimeFigureOut">
               <a:rPr lang="nl-BE" smtClean="0"/>
-              <a:t>1/12/2024</a:t>
+              <a:t>9/12/2024</a:t>
             </a:fld>
             <a:endParaRPr lang="nl-BE"/>
           </a:p>
@@ -1124,7 +1124,7 @@
           <a:p>
             <a:fld id="{205C27A1-A0F1-454B-A96E-4A260E1A069C}" type="datetimeFigureOut">
               <a:rPr lang="nl-BE" smtClean="0"/>
-              <a:t>1/12/2024</a:t>
+              <a:t>9/12/2024</a:t>
             </a:fld>
             <a:endParaRPr lang="nl-BE"/>
           </a:p>
@@ -1324,7 +1324,7 @@
           <a:p>
             <a:fld id="{205C27A1-A0F1-454B-A96E-4A260E1A069C}" type="datetimeFigureOut">
               <a:rPr lang="nl-BE" smtClean="0"/>
-              <a:t>1/12/2024</a:t>
+              <a:t>9/12/2024</a:t>
             </a:fld>
             <a:endParaRPr lang="nl-BE"/>
           </a:p>
@@ -1600,7 +1600,7 @@
           <a:p>
             <a:fld id="{205C27A1-A0F1-454B-A96E-4A260E1A069C}" type="datetimeFigureOut">
               <a:rPr lang="nl-BE" smtClean="0"/>
-              <a:t>1/12/2024</a:t>
+              <a:t>9/12/2024</a:t>
             </a:fld>
             <a:endParaRPr lang="nl-BE"/>
           </a:p>
@@ -1868,7 +1868,7 @@
           <a:p>
             <a:fld id="{205C27A1-A0F1-454B-A96E-4A260E1A069C}" type="datetimeFigureOut">
               <a:rPr lang="nl-BE" smtClean="0"/>
-              <a:t>1/12/2024</a:t>
+              <a:t>9/12/2024</a:t>
             </a:fld>
             <a:endParaRPr lang="nl-BE"/>
           </a:p>
@@ -2283,7 +2283,7 @@
           <a:p>
             <a:fld id="{205C27A1-A0F1-454B-A96E-4A260E1A069C}" type="datetimeFigureOut">
               <a:rPr lang="nl-BE" smtClean="0"/>
-              <a:t>1/12/2024</a:t>
+              <a:t>9/12/2024</a:t>
             </a:fld>
             <a:endParaRPr lang="nl-BE"/>
           </a:p>
@@ -2425,7 +2425,7 @@
           <a:p>
             <a:fld id="{205C27A1-A0F1-454B-A96E-4A260E1A069C}" type="datetimeFigureOut">
               <a:rPr lang="nl-BE" smtClean="0"/>
-              <a:t>1/12/2024</a:t>
+              <a:t>9/12/2024</a:t>
             </a:fld>
             <a:endParaRPr lang="nl-BE"/>
           </a:p>
@@ -2538,7 +2538,7 @@
           <a:p>
             <a:fld id="{205C27A1-A0F1-454B-A96E-4A260E1A069C}" type="datetimeFigureOut">
               <a:rPr lang="nl-BE" smtClean="0"/>
-              <a:t>1/12/2024</a:t>
+              <a:t>9/12/2024</a:t>
             </a:fld>
             <a:endParaRPr lang="nl-BE"/>
           </a:p>
@@ -2851,7 +2851,7 @@
           <a:p>
             <a:fld id="{205C27A1-A0F1-454B-A96E-4A260E1A069C}" type="datetimeFigureOut">
               <a:rPr lang="nl-BE" smtClean="0"/>
-              <a:t>1/12/2024</a:t>
+              <a:t>9/12/2024</a:t>
             </a:fld>
             <a:endParaRPr lang="nl-BE"/>
           </a:p>
@@ -3140,7 +3140,7 @@
           <a:p>
             <a:fld id="{205C27A1-A0F1-454B-A96E-4A260E1A069C}" type="datetimeFigureOut">
               <a:rPr lang="nl-BE" smtClean="0"/>
-              <a:t>1/12/2024</a:t>
+              <a:t>9/12/2024</a:t>
             </a:fld>
             <a:endParaRPr lang="nl-BE"/>
           </a:p>
@@ -3383,7 +3383,7 @@
           <a:p>
             <a:fld id="{205C27A1-A0F1-454B-A96E-4A260E1A069C}" type="datetimeFigureOut">
               <a:rPr lang="nl-BE" smtClean="0"/>
-              <a:t>1/12/2024</a:t>
+              <a:t>9/12/2024</a:t>
             </a:fld>
             <a:endParaRPr lang="nl-BE"/>
           </a:p>
@@ -4787,14 +4787,6 @@
               <a:t>: </a:t>
             </a:r>
             <a:r>
-              <a:rPr lang="en-BE" dirty="0" err="1"/>
-              <a:t>Amper</a:t>
-            </a:r>
-            <a:r>
-              <a:rPr lang="en-BE" dirty="0"/>
-              <a:t> </a:t>
-            </a:r>
-            <a:r>
               <a:rPr lang="nl-NL" dirty="0"/>
               <a:t>GUI-ontwikkeling</a:t>
             </a:r>
@@ -5040,8 +5032,13 @@
             </a:r>
             <a:r>
               <a:rPr lang="en-BE" dirty="0"/>
-              <a:t>Google Cloud &amp; Dropbox</a:t>
-            </a:r>
+              <a:t>Google Cloud, Dropbox &amp; </a:t>
+            </a:r>
+            <a:r>
+              <a:rPr lang="en-BE" dirty="0" err="1"/>
+              <a:t>Traefik</a:t>
+            </a:r>
+            <a:endParaRPr lang="en-BE" dirty="0"/>
           </a:p>
           <a:p>
             <a:r>
@@ -5501,11 +5498,19 @@
           <a:p>
             <a:r>
               <a:rPr lang="nl-BE" dirty="0"/>
-              <a:t>N</a:t>
+              <a:t>M</a:t>
             </a:r>
             <a:r>
               <a:rPr lang="en-BE" dirty="0" err="1"/>
-              <a:t>iet</a:t>
+              <a:t>inder</a:t>
+            </a:r>
+            <a:r>
+              <a:rPr lang="en-BE" dirty="0"/>
+              <a:t> </a:t>
+            </a:r>
+            <a:r>
+              <a:rPr lang="en-BE" dirty="0" err="1"/>
+              <a:t>geschikt</a:t>
             </a:r>
             <a:r>
               <a:rPr lang="en-BE" dirty="0"/>

--- a/VervoortKobe_SoftwareTrends_Presentatie_Go.pptx
+++ b/VervoortKobe_SoftwareTrends_Presentatie_Go.pptx
@@ -213,7 +213,7 @@
           <a:p>
             <a:fld id="{415AB838-40C3-45EC-9B1D-78B40EFF9AD7}" type="datetimeFigureOut">
               <a:rPr lang="nl-BE" smtClean="0"/>
-              <a:t>9/12/2024</a:t>
+              <a:t>19/12/2024</a:t>
             </a:fld>
             <a:endParaRPr lang="nl-BE"/>
           </a:p>
@@ -714,7 +714,7 @@
           <a:p>
             <a:fld id="{205C27A1-A0F1-454B-A96E-4A260E1A069C}" type="datetimeFigureOut">
               <a:rPr lang="nl-BE" smtClean="0"/>
-              <a:t>9/12/2024</a:t>
+              <a:t>19/12/2024</a:t>
             </a:fld>
             <a:endParaRPr lang="nl-BE"/>
           </a:p>
@@ -914,7 +914,7 @@
           <a:p>
             <a:fld id="{205C27A1-A0F1-454B-A96E-4A260E1A069C}" type="datetimeFigureOut">
               <a:rPr lang="nl-BE" smtClean="0"/>
-              <a:t>9/12/2024</a:t>
+              <a:t>19/12/2024</a:t>
             </a:fld>
             <a:endParaRPr lang="nl-BE"/>
           </a:p>
@@ -1124,7 +1124,7 @@
           <a:p>
             <a:fld id="{205C27A1-A0F1-454B-A96E-4A260E1A069C}" type="datetimeFigureOut">
               <a:rPr lang="nl-BE" smtClean="0"/>
-              <a:t>9/12/2024</a:t>
+              <a:t>19/12/2024</a:t>
             </a:fld>
             <a:endParaRPr lang="nl-BE"/>
           </a:p>
@@ -1324,7 +1324,7 @@
           <a:p>
             <a:fld id="{205C27A1-A0F1-454B-A96E-4A260E1A069C}" type="datetimeFigureOut">
               <a:rPr lang="nl-BE" smtClean="0"/>
-              <a:t>9/12/2024</a:t>
+              <a:t>19/12/2024</a:t>
             </a:fld>
             <a:endParaRPr lang="nl-BE"/>
           </a:p>
@@ -1600,7 +1600,7 @@
           <a:p>
             <a:fld id="{205C27A1-A0F1-454B-A96E-4A260E1A069C}" type="datetimeFigureOut">
               <a:rPr lang="nl-BE" smtClean="0"/>
-              <a:t>9/12/2024</a:t>
+              <a:t>19/12/2024</a:t>
             </a:fld>
             <a:endParaRPr lang="nl-BE"/>
           </a:p>
@@ -1868,7 +1868,7 @@
           <a:p>
             <a:fld id="{205C27A1-A0F1-454B-A96E-4A260E1A069C}" type="datetimeFigureOut">
               <a:rPr lang="nl-BE" smtClean="0"/>
-              <a:t>9/12/2024</a:t>
+              <a:t>19/12/2024</a:t>
             </a:fld>
             <a:endParaRPr lang="nl-BE"/>
           </a:p>
@@ -2283,7 +2283,7 @@
           <a:p>
             <a:fld id="{205C27A1-A0F1-454B-A96E-4A260E1A069C}" type="datetimeFigureOut">
               <a:rPr lang="nl-BE" smtClean="0"/>
-              <a:t>9/12/2024</a:t>
+              <a:t>19/12/2024</a:t>
             </a:fld>
             <a:endParaRPr lang="nl-BE"/>
           </a:p>
@@ -2425,7 +2425,7 @@
           <a:p>
             <a:fld id="{205C27A1-A0F1-454B-A96E-4A260E1A069C}" type="datetimeFigureOut">
               <a:rPr lang="nl-BE" smtClean="0"/>
-              <a:t>9/12/2024</a:t>
+              <a:t>19/12/2024</a:t>
             </a:fld>
             <a:endParaRPr lang="nl-BE"/>
           </a:p>
@@ -2538,7 +2538,7 @@
           <a:p>
             <a:fld id="{205C27A1-A0F1-454B-A96E-4A260E1A069C}" type="datetimeFigureOut">
               <a:rPr lang="nl-BE" smtClean="0"/>
-              <a:t>9/12/2024</a:t>
+              <a:t>19/12/2024</a:t>
             </a:fld>
             <a:endParaRPr lang="nl-BE"/>
           </a:p>
@@ -2851,7 +2851,7 @@
           <a:p>
             <a:fld id="{205C27A1-A0F1-454B-A96E-4A260E1A069C}" type="datetimeFigureOut">
               <a:rPr lang="nl-BE" smtClean="0"/>
-              <a:t>9/12/2024</a:t>
+              <a:t>19/12/2024</a:t>
             </a:fld>
             <a:endParaRPr lang="nl-BE"/>
           </a:p>
@@ -3140,7 +3140,7 @@
           <a:p>
             <a:fld id="{205C27A1-A0F1-454B-A96E-4A260E1A069C}" type="datetimeFigureOut">
               <a:rPr lang="nl-BE" smtClean="0"/>
-              <a:t>9/12/2024</a:t>
+              <a:t>19/12/2024</a:t>
             </a:fld>
             <a:endParaRPr lang="nl-BE"/>
           </a:p>
@@ -3383,7 +3383,7 @@
           <a:p>
             <a:fld id="{205C27A1-A0F1-454B-A96E-4A260E1A069C}" type="datetimeFigureOut">
               <a:rPr lang="nl-BE" smtClean="0"/>
-              <a:t>9/12/2024</a:t>
+              <a:t>19/12/2024</a:t>
             </a:fld>
             <a:endParaRPr lang="nl-BE"/>
           </a:p>
@@ -5480,7 +5480,7 @@
           <a:p>
             <a:r>
               <a:rPr lang="en-BE" dirty="0" err="1"/>
-              <a:t>Gemakkelijk</a:t>
+              <a:t>Simpel</a:t>
             </a:r>
             <a:r>
               <a:rPr lang="en-BE" dirty="0"/>
